--- a/Football Club Transfer market Management system.pptx
+++ b/Football Club Transfer market Management system.pptx
@@ -10,8 +10,11 @@
     <p:sldId id="257" r:id="rId4"/>
     <p:sldId id="258" r:id="rId5"/>
     <p:sldId id="260" r:id="rId6"/>
-    <p:sldId id="261" r:id="rId7"/>
-    <p:sldId id="262" r:id="rId8"/>
+    <p:sldId id="263" r:id="rId7"/>
+    <p:sldId id="264" r:id="rId8"/>
+    <p:sldId id="265" r:id="rId9"/>
+    <p:sldId id="261" r:id="rId10"/>
+    <p:sldId id="266" r:id="rId11"/>
   </p:sldIdLst>
   <p:sldSz cx="12192000" cy="6858000"/>
   <p:notesSz cx="6858000" cy="9144000"/>
@@ -110,6 +113,11 @@
       </a:defRPr>
     </a:lvl9pPr>
   </p:defaultTextStyle>
+  <p:extLst>
+    <p:ext uri="{EFAFB233-063F-42B5-8137-9DF3F51BA10A}">
+      <p15:sldGuideLst xmlns:p15="http://schemas.microsoft.com/office/powerpoint/2012/main"/>
+    </p:ext>
+  </p:extLst>
 </p:presentation>
 </file>
 
@@ -5849,6 +5857,96 @@
 </p:sld>
 </file>
 
+<file path=ppt/slides/slide10.xml><?xml version="1.0" encoding="utf-8"?>
+<p:sld xmlns:a="http://schemas.openxmlformats.org/drawingml/2006/main" xmlns:r="http://schemas.openxmlformats.org/officeDocument/2006/relationships" xmlns:p="http://schemas.openxmlformats.org/presentationml/2006/main">
+  <p:cSld>
+    <p:spTree>
+      <p:nvGrpSpPr>
+        <p:cNvPr id="1" name=""/>
+        <p:cNvGrpSpPr/>
+        <p:nvPr/>
+      </p:nvGrpSpPr>
+      <p:grpSpPr>
+        <a:xfrm>
+          <a:off x="0" y="0"/>
+          <a:ext cx="0" cy="0"/>
+          <a:chOff x="0" y="0"/>
+          <a:chExt cx="0" cy="0"/>
+        </a:xfrm>
+      </p:grpSpPr>
+      <p:sp>
+        <p:nvSpPr>
+          <p:cNvPr id="2" name="제목 1">
+            <a:extLst>
+              <a:ext uri="{FF2B5EF4-FFF2-40B4-BE49-F238E27FC236}">
+                <a16:creationId xmlns:a16="http://schemas.microsoft.com/office/drawing/2014/main" id="{6A5FBA69-6CB9-47DD-856D-375D5AC6777E}"/>
+              </a:ext>
+            </a:extLst>
+          </p:cNvPr>
+          <p:cNvSpPr>
+            <a:spLocks noGrp="1"/>
+          </p:cNvSpPr>
+          <p:nvPr>
+            <p:ph type="title"/>
+          </p:nvPr>
+        </p:nvSpPr>
+        <p:spPr>
+          <a:xfrm>
+            <a:off x="1511417" y="2282781"/>
+            <a:ext cx="8610600" cy="1293028"/>
+          </a:xfrm>
+        </p:spPr>
+        <p:txBody>
+          <a:bodyPr/>
+          <a:lstStyle/>
+          <a:p>
+            <a:pPr algn="ctr"/>
+            <a:r>
+              <a:rPr lang="en-US" altLang="ko-KR" dirty="0"/>
+              <a:t>Q&amp;A</a:t>
+            </a:r>
+            <a:endParaRPr lang="ko-KR" altLang="en-US" dirty="0"/>
+          </a:p>
+        </p:txBody>
+      </p:sp>
+      <p:sp>
+        <p:nvSpPr>
+          <p:cNvPr id="3" name="내용 개체 틀 2">
+            <a:extLst>
+              <a:ext uri="{FF2B5EF4-FFF2-40B4-BE49-F238E27FC236}">
+                <a16:creationId xmlns:a16="http://schemas.microsoft.com/office/drawing/2014/main" id="{A56BA756-285C-4D9E-A050-93B3B254F0AD}"/>
+              </a:ext>
+            </a:extLst>
+          </p:cNvPr>
+          <p:cNvSpPr>
+            <a:spLocks noGrp="1"/>
+          </p:cNvSpPr>
+          <p:nvPr>
+            <p:ph idx="1"/>
+          </p:nvPr>
+        </p:nvSpPr>
+        <p:spPr/>
+        <p:txBody>
+          <a:bodyPr/>
+          <a:lstStyle/>
+          <a:p>
+            <a:endParaRPr lang="ko-KR" altLang="en-US" dirty="0"/>
+          </a:p>
+        </p:txBody>
+      </p:sp>
+    </p:spTree>
+    <p:extLst>
+      <p:ext uri="{BB962C8B-B14F-4D97-AF65-F5344CB8AC3E}">
+        <p14:creationId xmlns:p14="http://schemas.microsoft.com/office/powerpoint/2010/main" val="2453865298"/>
+      </p:ext>
+    </p:extLst>
+  </p:cSld>
+  <p:clrMapOvr>
+    <a:masterClrMapping/>
+  </p:clrMapOvr>
+</p:sld>
+</file>
+
 <file path=ppt/slides/slide2.xml><?xml version="1.0" encoding="utf-8"?>
 <p:sld xmlns:a="http://schemas.openxmlformats.org/drawingml/2006/main" xmlns:r="http://schemas.openxmlformats.org/officeDocument/2006/relationships" xmlns:p="http://schemas.openxmlformats.org/presentationml/2006/main">
   <p:cSld>
@@ -6327,10 +6425,10 @@
             <a:endParaRPr lang="en-US" altLang="ko-KR" dirty="0"/>
           </a:p>
           <a:p>
-            <a:r>
-              <a:rPr lang="en-US" altLang="ko-KR" sz="2800" dirty="0"/>
-              <a:t>Demo</a:t>
-            </a:r>
+            <a:pPr marL="0" indent="0">
+              <a:buNone/>
+            </a:pPr>
+            <a:endParaRPr lang="en-US" altLang="ko-KR" sz="2800" dirty="0"/>
           </a:p>
           <a:p>
             <a:pPr marL="457200" lvl="1" indent="0">
@@ -6370,97 +6468,40 @@
           <a:chExt cx="0" cy="0"/>
         </a:xfrm>
       </p:grpSpPr>
-      <p:sp>
-        <p:nvSpPr>
-          <p:cNvPr id="2" name="제목 1">
+      <p:pic>
+        <p:nvPicPr>
+          <p:cNvPr id="5" name="그림 4">
             <a:extLst>
               <a:ext uri="{FF2B5EF4-FFF2-40B4-BE49-F238E27FC236}">
-                <a16:creationId xmlns:a16="http://schemas.microsoft.com/office/drawing/2014/main" id="{E2BB5154-4B1B-4327-B507-5590356C4ECA}"/>
+                <a16:creationId xmlns:a16="http://schemas.microsoft.com/office/drawing/2014/main" id="{BFD17A2F-2B9A-4E64-82D3-E13215EBDDE4}"/>
               </a:ext>
             </a:extLst>
           </p:cNvPr>
-          <p:cNvSpPr>
-            <a:spLocks noGrp="1"/>
-          </p:cNvSpPr>
-          <p:nvPr>
-            <p:ph type="title"/>
-          </p:nvPr>
-        </p:nvSpPr>
-        <p:spPr/>
-        <p:txBody>
-          <a:bodyPr/>
-          <a:lstStyle/>
-          <a:p>
-            <a:r>
-              <a:rPr lang="en-US" altLang="ko-KR" b="1" i="1" dirty="0"/>
-              <a:t>Future objectives</a:t>
-            </a:r>
-            <a:endParaRPr lang="ko-KR" altLang="en-US" b="1" i="1" dirty="0"/>
-          </a:p>
-        </p:txBody>
-      </p:sp>
-      <p:sp>
-        <p:nvSpPr>
-          <p:cNvPr id="3" name="내용 개체 틀 2">
-            <a:extLst>
-              <a:ext uri="{FF2B5EF4-FFF2-40B4-BE49-F238E27FC236}">
-                <a16:creationId xmlns:a16="http://schemas.microsoft.com/office/drawing/2014/main" id="{E01CFD94-113B-4516-AD3A-19E622FABFBE}"/>
-              </a:ext>
-            </a:extLst>
-          </p:cNvPr>
-          <p:cNvSpPr>
-            <a:spLocks noGrp="1"/>
-          </p:cNvSpPr>
-          <p:nvPr>
-            <p:ph idx="1"/>
-          </p:nvPr>
-        </p:nvSpPr>
-        <p:spPr/>
-        <p:txBody>
-          <a:bodyPr/>
-          <a:lstStyle/>
-          <a:p>
-            <a:pPr>
-              <a:lnSpc>
-                <a:spcPct val="200000"/>
-              </a:lnSpc>
-            </a:pPr>
-            <a:r>
-              <a:rPr lang="en-US" altLang="ko-KR" sz="2800" dirty="0"/>
-              <a:t>Develop UI</a:t>
-            </a:r>
-          </a:p>
-          <a:p>
-            <a:pPr>
-              <a:lnSpc>
-                <a:spcPct val="200000"/>
-              </a:lnSpc>
-            </a:pPr>
-            <a:r>
-              <a:rPr lang="en-US" altLang="ko-KR" sz="2800" dirty="0"/>
-              <a:t>Add sub options for each command</a:t>
-            </a:r>
-          </a:p>
-          <a:p>
-            <a:pPr>
-              <a:lnSpc>
-                <a:spcPct val="200000"/>
-              </a:lnSpc>
-            </a:pPr>
-            <a:r>
-              <a:rPr lang="en-US" altLang="ko-KR" sz="2800" dirty="0"/>
-              <a:t>Agent management</a:t>
-            </a:r>
-          </a:p>
-          <a:p>
-            <a:endParaRPr lang="ko-KR" altLang="en-US" dirty="0"/>
-          </a:p>
-        </p:txBody>
-      </p:sp>
+          <p:cNvPicPr>
+            <a:picLocks noChangeAspect="1"/>
+          </p:cNvPicPr>
+          <p:nvPr/>
+        </p:nvPicPr>
+        <p:blipFill>
+          <a:blip r:embed="rId2"/>
+          <a:stretch>
+            <a:fillRect/>
+          </a:stretch>
+        </p:blipFill>
+        <p:spPr>
+          <a:xfrm>
+            <a:off x="1107072" y="914160"/>
+            <a:ext cx="10239390" cy="4488264"/>
+          </a:xfrm>
+          <a:prstGeom prst="rect">
+            <a:avLst/>
+          </a:prstGeom>
+        </p:spPr>
+      </p:pic>
     </p:spTree>
     <p:extLst>
       <p:ext uri="{BB962C8B-B14F-4D97-AF65-F5344CB8AC3E}">
-        <p14:creationId xmlns:p14="http://schemas.microsoft.com/office/powerpoint/2010/main" val="714862076"/>
+        <p14:creationId xmlns:p14="http://schemas.microsoft.com/office/powerpoint/2010/main" val="1014301689"/>
       </p:ext>
     </p:extLst>
   </p:cSld>
@@ -6487,12 +6528,251 @@
           <a:chExt cx="0" cy="0"/>
         </a:xfrm>
       </p:grpSpPr>
+      <p:pic>
+        <p:nvPicPr>
+          <p:cNvPr id="4" name="그림 3">
+            <a:extLst>
+              <a:ext uri="{FF2B5EF4-FFF2-40B4-BE49-F238E27FC236}">
+                <a16:creationId xmlns:a16="http://schemas.microsoft.com/office/drawing/2014/main" id="{C05AFF50-D36E-47B9-BFBA-059F51D2172D}"/>
+              </a:ext>
+            </a:extLst>
+          </p:cNvPr>
+          <p:cNvPicPr>
+            <a:picLocks noChangeAspect="1"/>
+          </p:cNvPicPr>
+          <p:nvPr/>
+        </p:nvPicPr>
+        <p:blipFill>
+          <a:blip r:embed="rId2"/>
+          <a:stretch>
+            <a:fillRect/>
+          </a:stretch>
+        </p:blipFill>
+        <p:spPr>
+          <a:xfrm>
+            <a:off x="857772" y="1110239"/>
+            <a:ext cx="9312595" cy="1668330"/>
+          </a:xfrm>
+          <a:prstGeom prst="rect">
+            <a:avLst/>
+          </a:prstGeom>
+        </p:spPr>
+      </p:pic>
+      <p:pic>
+        <p:nvPicPr>
+          <p:cNvPr id="5" name="그림 4">
+            <a:extLst>
+              <a:ext uri="{FF2B5EF4-FFF2-40B4-BE49-F238E27FC236}">
+                <a16:creationId xmlns:a16="http://schemas.microsoft.com/office/drawing/2014/main" id="{94D4AC08-AA2B-4C66-9BD0-A1E92B73292B}"/>
+              </a:ext>
+            </a:extLst>
+          </p:cNvPr>
+          <p:cNvPicPr>
+            <a:picLocks noChangeAspect="1"/>
+          </p:cNvPicPr>
+          <p:nvPr/>
+        </p:nvPicPr>
+        <p:blipFill>
+          <a:blip r:embed="rId3"/>
+          <a:stretch>
+            <a:fillRect/>
+          </a:stretch>
+        </p:blipFill>
+        <p:spPr>
+          <a:xfrm>
+            <a:off x="857771" y="2959366"/>
+            <a:ext cx="9312595" cy="2788395"/>
+          </a:xfrm>
+          <a:prstGeom prst="rect">
+            <a:avLst/>
+          </a:prstGeom>
+        </p:spPr>
+      </p:pic>
+    </p:spTree>
+    <p:extLst>
+      <p:ext uri="{BB962C8B-B14F-4D97-AF65-F5344CB8AC3E}">
+        <p14:creationId xmlns:p14="http://schemas.microsoft.com/office/powerpoint/2010/main" val="775172879"/>
+      </p:ext>
+    </p:extLst>
+  </p:cSld>
+  <p:clrMapOvr>
+    <a:masterClrMapping/>
+  </p:clrMapOvr>
+</p:sld>
+</file>
+
+<file path=ppt/slides/slide8.xml><?xml version="1.0" encoding="utf-8"?>
+<p:sld xmlns:a="http://schemas.openxmlformats.org/drawingml/2006/main" xmlns:r="http://schemas.openxmlformats.org/officeDocument/2006/relationships" xmlns:p="http://schemas.openxmlformats.org/presentationml/2006/main">
+  <p:cSld>
+    <p:spTree>
+      <p:nvGrpSpPr>
+        <p:cNvPr id="1" name=""/>
+        <p:cNvGrpSpPr/>
+        <p:nvPr/>
+      </p:nvGrpSpPr>
+      <p:grpSpPr>
+        <a:xfrm>
+          <a:off x="0" y="0"/>
+          <a:ext cx="0" cy="0"/>
+          <a:chOff x="0" y="0"/>
+          <a:chExt cx="0" cy="0"/>
+        </a:xfrm>
+      </p:grpSpPr>
+      <p:pic>
+        <p:nvPicPr>
+          <p:cNvPr id="5" name="그림 4">
+            <a:extLst>
+              <a:ext uri="{FF2B5EF4-FFF2-40B4-BE49-F238E27FC236}">
+                <a16:creationId xmlns:a16="http://schemas.microsoft.com/office/drawing/2014/main" id="{8BDF95EE-EC61-4E00-A4C2-E1CFE578D2EC}"/>
+              </a:ext>
+            </a:extLst>
+          </p:cNvPr>
+          <p:cNvPicPr>
+            <a:picLocks noChangeAspect="1"/>
+          </p:cNvPicPr>
+          <p:nvPr/>
+        </p:nvPicPr>
+        <p:blipFill>
+          <a:blip r:embed="rId2"/>
+          <a:stretch>
+            <a:fillRect/>
+          </a:stretch>
+        </p:blipFill>
+        <p:spPr>
+          <a:xfrm>
+            <a:off x="966172" y="1226725"/>
+            <a:ext cx="7767281" cy="1676079"/>
+          </a:xfrm>
+          <a:prstGeom prst="rect">
+            <a:avLst/>
+          </a:prstGeom>
+        </p:spPr>
+      </p:pic>
+      <p:pic>
+        <p:nvPicPr>
+          <p:cNvPr id="6" name="그림 5">
+            <a:extLst>
+              <a:ext uri="{FF2B5EF4-FFF2-40B4-BE49-F238E27FC236}">
+                <a16:creationId xmlns:a16="http://schemas.microsoft.com/office/drawing/2014/main" id="{51AF311F-F7F3-40A1-A15D-C3F55FE37819}"/>
+              </a:ext>
+            </a:extLst>
+          </p:cNvPr>
+          <p:cNvPicPr>
+            <a:picLocks noChangeAspect="1"/>
+          </p:cNvPicPr>
+          <p:nvPr/>
+        </p:nvPicPr>
+        <p:blipFill>
+          <a:blip r:embed="rId3"/>
+          <a:stretch>
+            <a:fillRect/>
+          </a:stretch>
+        </p:blipFill>
+        <p:spPr>
+          <a:xfrm>
+            <a:off x="966172" y="2927200"/>
+            <a:ext cx="6022458" cy="1464181"/>
+          </a:xfrm>
+          <a:prstGeom prst="rect">
+            <a:avLst/>
+          </a:prstGeom>
+        </p:spPr>
+      </p:pic>
+      <p:pic>
+        <p:nvPicPr>
+          <p:cNvPr id="7" name="그림 6">
+            <a:extLst>
+              <a:ext uri="{FF2B5EF4-FFF2-40B4-BE49-F238E27FC236}">
+                <a16:creationId xmlns:a16="http://schemas.microsoft.com/office/drawing/2014/main" id="{8B1138ED-953E-40BC-A189-0FEFCD22E35E}"/>
+              </a:ext>
+            </a:extLst>
+          </p:cNvPr>
+          <p:cNvPicPr>
+            <a:picLocks noChangeAspect="1"/>
+          </p:cNvPicPr>
+          <p:nvPr/>
+        </p:nvPicPr>
+        <p:blipFill>
+          <a:blip r:embed="rId4"/>
+          <a:stretch>
+            <a:fillRect/>
+          </a:stretch>
+        </p:blipFill>
+        <p:spPr>
+          <a:xfrm>
+            <a:off x="966171" y="4391380"/>
+            <a:ext cx="8143252" cy="1239895"/>
+          </a:xfrm>
+          <a:prstGeom prst="rect">
+            <a:avLst/>
+          </a:prstGeom>
+        </p:spPr>
+      </p:pic>
+    </p:spTree>
+    <p:extLst>
+      <p:ext uri="{BB962C8B-B14F-4D97-AF65-F5344CB8AC3E}">
+        <p14:creationId xmlns:p14="http://schemas.microsoft.com/office/powerpoint/2010/main" val="3741044458"/>
+      </p:ext>
+    </p:extLst>
+  </p:cSld>
+  <p:clrMapOvr>
+    <a:masterClrMapping/>
+  </p:clrMapOvr>
+</p:sld>
+</file>
+
+<file path=ppt/slides/slide9.xml><?xml version="1.0" encoding="utf-8"?>
+<p:sld xmlns:a="http://schemas.openxmlformats.org/drawingml/2006/main" xmlns:r="http://schemas.openxmlformats.org/officeDocument/2006/relationships" xmlns:p="http://schemas.openxmlformats.org/presentationml/2006/main">
+  <p:cSld>
+    <p:spTree>
+      <p:nvGrpSpPr>
+        <p:cNvPr id="1" name=""/>
+        <p:cNvGrpSpPr/>
+        <p:nvPr/>
+      </p:nvGrpSpPr>
+      <p:grpSpPr>
+        <a:xfrm>
+          <a:off x="0" y="0"/>
+          <a:ext cx="0" cy="0"/>
+          <a:chOff x="0" y="0"/>
+          <a:chExt cx="0" cy="0"/>
+        </a:xfrm>
+      </p:grpSpPr>
+      <p:sp>
+        <p:nvSpPr>
+          <p:cNvPr id="2" name="제목 1">
+            <a:extLst>
+              <a:ext uri="{FF2B5EF4-FFF2-40B4-BE49-F238E27FC236}">
+                <a16:creationId xmlns:a16="http://schemas.microsoft.com/office/drawing/2014/main" id="{E2BB5154-4B1B-4327-B507-5590356C4ECA}"/>
+              </a:ext>
+            </a:extLst>
+          </p:cNvPr>
+          <p:cNvSpPr>
+            <a:spLocks noGrp="1"/>
+          </p:cNvSpPr>
+          <p:nvPr>
+            <p:ph type="title"/>
+          </p:nvPr>
+        </p:nvSpPr>
+        <p:spPr/>
+        <p:txBody>
+          <a:bodyPr/>
+          <a:lstStyle/>
+          <a:p>
+            <a:r>
+              <a:rPr lang="en-US" altLang="ko-KR" b="1" i="1" dirty="0"/>
+              <a:t>Future objectives</a:t>
+            </a:r>
+            <a:endParaRPr lang="ko-KR" altLang="en-US" b="1" i="1" dirty="0"/>
+          </a:p>
+        </p:txBody>
+      </p:sp>
       <p:sp>
         <p:nvSpPr>
           <p:cNvPr id="3" name="내용 개체 틀 2">
             <a:extLst>
               <a:ext uri="{FF2B5EF4-FFF2-40B4-BE49-F238E27FC236}">
-                <a16:creationId xmlns:a16="http://schemas.microsoft.com/office/drawing/2014/main" id="{131389A6-C324-4F21-99C8-10CB0D76864F}"/>
+                <a16:creationId xmlns:a16="http://schemas.microsoft.com/office/drawing/2014/main" id="{E01CFD94-113B-4516-AD3A-19E622FABFBE}"/>
               </a:ext>
             </a:extLst>
           </p:cNvPr>
@@ -6505,31 +6785,53 @@
         </p:nvSpPr>
         <p:spPr>
           <a:xfrm>
-            <a:off x="375407" y="2697899"/>
+            <a:off x="685800" y="1410887"/>
             <a:ext cx="10820400" cy="4024125"/>
           </a:xfrm>
         </p:spPr>
         <p:txBody>
-          <a:bodyPr>
-            <a:normAutofit/>
-          </a:bodyPr>
-          <a:lstStyle/>
-          <a:p>
-            <a:pPr marL="0" indent="0" algn="ctr">
+          <a:bodyPr/>
+          <a:lstStyle/>
+          <a:p>
+            <a:pPr marL="0" indent="0">
+              <a:lnSpc>
+                <a:spcPct val="200000"/>
+              </a:lnSpc>
               <a:buNone/>
             </a:pPr>
-            <a:r>
-              <a:rPr lang="en-US" altLang="ko-KR" sz="8800" dirty="0"/>
-              <a:t>Q&amp;A</a:t>
-            </a:r>
-            <a:endParaRPr lang="ko-KR" altLang="en-US" sz="8800" dirty="0"/>
+            <a:endParaRPr lang="en-US" altLang="ko-KR" sz="2800" dirty="0"/>
+          </a:p>
+          <a:p>
+            <a:pPr>
+              <a:lnSpc>
+                <a:spcPct val="200000"/>
+              </a:lnSpc>
+            </a:pPr>
+            <a:r>
+              <a:rPr lang="en-US" altLang="ko-KR" sz="2800" dirty="0"/>
+              <a:t>Add sub options for each command</a:t>
+            </a:r>
+          </a:p>
+          <a:p>
+            <a:pPr>
+              <a:lnSpc>
+                <a:spcPct val="200000"/>
+              </a:lnSpc>
+            </a:pPr>
+            <a:r>
+              <a:rPr lang="en-US" altLang="ko-KR" sz="2800" dirty="0"/>
+              <a:t>Frontend</a:t>
+            </a:r>
+          </a:p>
+          <a:p>
+            <a:endParaRPr lang="ko-KR" altLang="en-US" dirty="0"/>
           </a:p>
         </p:txBody>
       </p:sp>
     </p:spTree>
     <p:extLst>
       <p:ext uri="{BB962C8B-B14F-4D97-AF65-F5344CB8AC3E}">
-        <p14:creationId xmlns:p14="http://schemas.microsoft.com/office/powerpoint/2010/main" val="3333526975"/>
+        <p14:creationId xmlns:p14="http://schemas.microsoft.com/office/powerpoint/2010/main" val="714862076"/>
       </p:ext>
     </p:extLst>
   </p:cSld>
